--- a/99_pranning/master.pptx
+++ b/99_pranning/master.pptx
@@ -6,8 +6,6 @@
   </p:sldMasterIdLst>
   <p:sldIdLst>
     <p:sldId id="256" r:id="rId2"/>
-    <p:sldId id="257" r:id="rId3"/>
-    <p:sldId id="258" r:id="rId4"/>
   </p:sldIdLst>
   <p:sldSz cx="12192000" cy="6858000"/>
   <p:notesSz cx="6858000" cy="9144000"/>
@@ -106,6 +104,11 @@
       </a:defRPr>
     </a:lvl9pPr>
   </p:defaultTextStyle>
+  <p:extLst>
+    <p:ext uri="{EFAFB233-063F-42B5-8137-9DF3F51BA10A}">
+      <p15:sldGuideLst xmlns:p15="http://schemas.microsoft.com/office/powerpoint/2012/main"/>
+    </p:ext>
+  </p:extLst>
 </p:presentation>
 </file>
 
@@ -2998,9 +3001,15 @@
 <p:sldMaster xmlns:a="http://schemas.openxmlformats.org/drawingml/2006/main" xmlns:r="http://schemas.openxmlformats.org/officeDocument/2006/relationships" xmlns:p="http://schemas.openxmlformats.org/presentationml/2006/main">
   <p:cSld>
     <p:bg>
-      <p:bgRef idx="1001">
-        <a:schemeClr val="bg1"/>
-      </p:bgRef>
+      <p:bgPr>
+        <a:solidFill>
+          <a:schemeClr val="tx1">
+            <a:lumMod val="65000"/>
+            <a:lumOff val="35000"/>
+          </a:schemeClr>
+        </a:solidFill>
+        <a:effectLst/>
+      </p:bgPr>
     </p:bg>
     <p:spTree>
       <p:nvGrpSpPr>
@@ -3611,233 +3620,46 @@
           <a:chExt cx="0" cy="0"/>
         </a:xfrm>
       </p:grpSpPr>
-      <p:sp>
-        <p:nvSpPr>
-          <p:cNvPr id="2" name="タイトル 1">
-            <a:extLst>
-              <a:ext uri="{FF2B5EF4-FFF2-40B4-BE49-F238E27FC236}">
-                <a16:creationId xmlns:a16="http://schemas.microsoft.com/office/drawing/2014/main" id="{AB8D9C10-3518-811C-B038-95802A6D49D0}"/>
-              </a:ext>
-            </a:extLst>
-          </p:cNvPr>
-          <p:cNvSpPr>
-            <a:spLocks noGrp="1"/>
-          </p:cNvSpPr>
-          <p:nvPr>
-            <p:ph type="ctrTitle"/>
-          </p:nvPr>
-        </p:nvSpPr>
-        <p:spPr/>
-        <p:txBody>
-          <a:bodyPr/>
-          <a:lstStyle/>
-          <a:p>
-            <a:r>
-              <a:rPr lang="ja-JP" altLang="en-US" dirty="0"/>
-              <a:t>でびりんす</a:t>
-            </a:r>
-            <a:endParaRPr kumimoji="1" lang="ja-JP" altLang="en-US" dirty="0"/>
-          </a:p>
-        </p:txBody>
-      </p:sp>
-      <p:sp>
-        <p:nvSpPr>
-          <p:cNvPr id="3" name="字幕 2">
-            <a:extLst>
-              <a:ext uri="{FF2B5EF4-FFF2-40B4-BE49-F238E27FC236}">
-                <a16:creationId xmlns:a16="http://schemas.microsoft.com/office/drawing/2014/main" id="{7CD7DD8C-C5FC-0974-EA3E-0826088E2E65}"/>
-              </a:ext>
-            </a:extLst>
-          </p:cNvPr>
-          <p:cNvSpPr>
-            <a:spLocks noGrp="1"/>
-          </p:cNvSpPr>
-          <p:nvPr>
-            <p:ph type="subTitle" idx="1"/>
-          </p:nvPr>
-        </p:nvSpPr>
-        <p:spPr/>
-        <p:txBody>
-          <a:bodyPr/>
-          <a:lstStyle/>
-          <a:p>
-            <a:r>
-              <a:rPr kumimoji="1" lang="ja-JP" altLang="en-US" dirty="0"/>
-              <a:t>マスター版プレゼン</a:t>
-            </a:r>
-          </a:p>
-        </p:txBody>
-      </p:sp>
+      <p:pic>
+        <p:nvPicPr>
+          <p:cNvPr id="5" name="図 4" descr="挿絵 が含まれている画像">
+            <a:extLst>
+              <a:ext uri="{FF2B5EF4-FFF2-40B4-BE49-F238E27FC236}">
+                <a16:creationId xmlns:a16="http://schemas.microsoft.com/office/drawing/2014/main" id="{8C757C28-12EE-6CA2-80F6-3CB94C96E195}"/>
+              </a:ext>
+            </a:extLst>
+          </p:cNvPr>
+          <p:cNvPicPr>
+            <a:picLocks noChangeAspect="1"/>
+          </p:cNvPicPr>
+          <p:nvPr/>
+        </p:nvPicPr>
+        <p:blipFill>
+          <a:blip r:embed="rId2">
+            <a:extLst>
+              <a:ext uri="{28A0092B-C50C-407E-A947-70E740481C1C}">
+                <a14:useLocalDpi xmlns:a14="http://schemas.microsoft.com/office/drawing/2010/main" val="0"/>
+              </a:ext>
+            </a:extLst>
+          </a:blip>
+          <a:stretch>
+            <a:fillRect/>
+          </a:stretch>
+        </p:blipFill>
+        <p:spPr>
+          <a:xfrm>
+            <a:off x="1016635" y="1167622"/>
+            <a:ext cx="10158730" cy="3809524"/>
+          </a:xfrm>
+          <a:prstGeom prst="rect">
+            <a:avLst/>
+          </a:prstGeom>
+        </p:spPr>
+      </p:pic>
     </p:spTree>
     <p:extLst>
       <p:ext uri="{BB962C8B-B14F-4D97-AF65-F5344CB8AC3E}">
         <p14:creationId xmlns:p14="http://schemas.microsoft.com/office/powerpoint/2010/main" val="3517998475"/>
-      </p:ext>
-    </p:extLst>
-  </p:cSld>
-  <p:clrMapOvr>
-    <a:masterClrMapping/>
-  </p:clrMapOvr>
-</p:sld>
-</file>
-
-<file path=ppt/slides/slide2.xml><?xml version="1.0" encoding="utf-8"?>
-<p:sld xmlns:a="http://schemas.openxmlformats.org/drawingml/2006/main" xmlns:r="http://schemas.openxmlformats.org/officeDocument/2006/relationships" xmlns:p="http://schemas.openxmlformats.org/presentationml/2006/main">
-  <p:cSld>
-    <p:spTree>
-      <p:nvGrpSpPr>
-        <p:cNvPr id="1" name=""/>
-        <p:cNvGrpSpPr/>
-        <p:nvPr/>
-      </p:nvGrpSpPr>
-      <p:grpSpPr>
-        <a:xfrm>
-          <a:off x="0" y="0"/>
-          <a:ext cx="0" cy="0"/>
-          <a:chOff x="0" y="0"/>
-          <a:chExt cx="0" cy="0"/>
-        </a:xfrm>
-      </p:grpSpPr>
-      <p:sp>
-        <p:nvSpPr>
-          <p:cNvPr id="2" name="タイトル 1">
-            <a:extLst>
-              <a:ext uri="{FF2B5EF4-FFF2-40B4-BE49-F238E27FC236}">
-                <a16:creationId xmlns:a16="http://schemas.microsoft.com/office/drawing/2014/main" id="{F1399101-5A19-C79F-35FE-3C145197A5AA}"/>
-              </a:ext>
-            </a:extLst>
-          </p:cNvPr>
-          <p:cNvSpPr>
-            <a:spLocks noGrp="1"/>
-          </p:cNvSpPr>
-          <p:nvPr>
-            <p:ph type="title"/>
-          </p:nvPr>
-        </p:nvSpPr>
-        <p:spPr/>
-        <p:txBody>
-          <a:bodyPr/>
-          <a:lstStyle/>
-          <a:p>
-            <a:r>
-              <a:rPr kumimoji="1" lang="ja-JP" altLang="en-US" dirty="0"/>
-              <a:t>そもそもデビルワールドとは</a:t>
-            </a:r>
-          </a:p>
-        </p:txBody>
-      </p:sp>
-      <p:sp>
-        <p:nvSpPr>
-          <p:cNvPr id="3" name="コンテンツ プレースホルダー 2">
-            <a:extLst>
-              <a:ext uri="{FF2B5EF4-FFF2-40B4-BE49-F238E27FC236}">
-                <a16:creationId xmlns:a16="http://schemas.microsoft.com/office/drawing/2014/main" id="{9347B737-6910-B117-130A-5C4D9C8306D4}"/>
-              </a:ext>
-            </a:extLst>
-          </p:cNvPr>
-          <p:cNvSpPr>
-            <a:spLocks noGrp="1"/>
-          </p:cNvSpPr>
-          <p:nvPr>
-            <p:ph idx="1"/>
-          </p:nvPr>
-        </p:nvSpPr>
-        <p:spPr/>
-        <p:txBody>
-          <a:bodyPr/>
-          <a:lstStyle/>
-          <a:p>
-            <a:endParaRPr kumimoji="1" lang="ja-JP" altLang="en-US"/>
-          </a:p>
-        </p:txBody>
-      </p:sp>
-    </p:spTree>
-    <p:extLst>
-      <p:ext uri="{BB962C8B-B14F-4D97-AF65-F5344CB8AC3E}">
-        <p14:creationId xmlns:p14="http://schemas.microsoft.com/office/powerpoint/2010/main" val="29801578"/>
-      </p:ext>
-    </p:extLst>
-  </p:cSld>
-  <p:clrMapOvr>
-    <a:masterClrMapping/>
-  </p:clrMapOvr>
-</p:sld>
-</file>
-
-<file path=ppt/slides/slide3.xml><?xml version="1.0" encoding="utf-8"?>
-<p:sld xmlns:a="http://schemas.openxmlformats.org/drawingml/2006/main" xmlns:r="http://schemas.openxmlformats.org/officeDocument/2006/relationships" xmlns:p="http://schemas.openxmlformats.org/presentationml/2006/main">
-  <p:cSld>
-    <p:spTree>
-      <p:nvGrpSpPr>
-        <p:cNvPr id="1" name=""/>
-        <p:cNvGrpSpPr/>
-        <p:nvPr/>
-      </p:nvGrpSpPr>
-      <p:grpSpPr>
-        <a:xfrm>
-          <a:off x="0" y="0"/>
-          <a:ext cx="0" cy="0"/>
-          <a:chOff x="0" y="0"/>
-          <a:chExt cx="0" cy="0"/>
-        </a:xfrm>
-      </p:grpSpPr>
-      <p:sp>
-        <p:nvSpPr>
-          <p:cNvPr id="2" name="タイトル 1">
-            <a:extLst>
-              <a:ext uri="{FF2B5EF4-FFF2-40B4-BE49-F238E27FC236}">
-                <a16:creationId xmlns:a16="http://schemas.microsoft.com/office/drawing/2014/main" id="{AAFB4C4D-5B4E-3A33-F420-D71474E1F9AC}"/>
-              </a:ext>
-            </a:extLst>
-          </p:cNvPr>
-          <p:cNvSpPr>
-            <a:spLocks noGrp="1"/>
-          </p:cNvSpPr>
-          <p:nvPr>
-            <p:ph type="title"/>
-          </p:nvPr>
-        </p:nvSpPr>
-        <p:spPr/>
-        <p:txBody>
-          <a:bodyPr/>
-          <a:lstStyle/>
-          <a:p>
-            <a:r>
-              <a:rPr kumimoji="1" lang="ja-JP" altLang="en-US" dirty="0"/>
-              <a:t>新規要素</a:t>
-            </a:r>
-          </a:p>
-        </p:txBody>
-      </p:sp>
-      <p:sp>
-        <p:nvSpPr>
-          <p:cNvPr id="3" name="コンテンツ プレースホルダー 2">
-            <a:extLst>
-              <a:ext uri="{FF2B5EF4-FFF2-40B4-BE49-F238E27FC236}">
-                <a16:creationId xmlns:a16="http://schemas.microsoft.com/office/drawing/2014/main" id="{E2D9BEE7-241E-C131-433E-E92D219A7569}"/>
-              </a:ext>
-            </a:extLst>
-          </p:cNvPr>
-          <p:cNvSpPr>
-            <a:spLocks noGrp="1"/>
-          </p:cNvSpPr>
-          <p:nvPr>
-            <p:ph idx="1"/>
-          </p:nvPr>
-        </p:nvSpPr>
-        <p:spPr/>
-        <p:txBody>
-          <a:bodyPr/>
-          <a:lstStyle/>
-          <a:p>
-            <a:endParaRPr kumimoji="1" lang="ja-JP" altLang="en-US"/>
-          </a:p>
-        </p:txBody>
-      </p:sp>
-    </p:spTree>
-    <p:extLst>
-      <p:ext uri="{BB962C8B-B14F-4D97-AF65-F5344CB8AC3E}">
-        <p14:creationId xmlns:p14="http://schemas.microsoft.com/office/powerpoint/2010/main" val="1908175073"/>
       </p:ext>
     </p:extLst>
   </p:cSld>
